--- a/Final Presentation.pptx
+++ b/Final Presentation.pptx
@@ -216,7 +216,7 @@
           <a:p>
             <a:fld id="{77891892-8D23-4436-9668-38DD44EA864C}" type="datetimeFigureOut">
               <a:rPr lang="en-US" smtClean="0"/>
-              <a:t>10/17/2020</a:t>
+              <a:t>10/18/2020</a:t>
             </a:fld>
             <a:endParaRPr lang="en-US"/>
           </a:p>
@@ -3947,7 +3947,7 @@
                 <a:ea typeface="Source Sans Pro" panose="020B0503030403020204" pitchFamily="34" charset="0"/>
                 <a:cs typeface="Open Sans" panose="020B0606030504020204" pitchFamily="34" charset="0"/>
               </a:rPr>
-              <a:t>Analysis of the correlation between Covid</a:t>
+              <a:t>Analysis of correlation between Covid</a:t>
             </a:r>
             <a:r>
               <a:rPr lang="en-US" b="1" spc="300" dirty="0">
@@ -4291,7 +4291,7 @@
             </a:r>
             <a:r>
               <a:rPr lang="de-DE" dirty="0" err="1"/>
-              <a:t>scrapped</a:t>
+              <a:t>scraped</a:t>
             </a:r>
             <a:r>
               <a:rPr lang="de-DE" dirty="0"/>
@@ -4376,7 +4376,7 @@
             </a:r>
             <a:r>
               <a:rPr lang="de-DE" dirty="0" err="1"/>
-              <a:t>scrapped</a:t>
+              <a:t>scraped</a:t>
             </a:r>
             <a:r>
               <a:rPr lang="de-DE" dirty="0"/>
@@ -4485,7 +4485,7 @@
             </a:r>
             <a:r>
               <a:rPr lang="de-DE" dirty="0" err="1"/>
-              <a:t>deathes</a:t>
+              <a:t>deaths</a:t>
             </a:r>
             <a:r>
               <a:rPr lang="de-DE" dirty="0"/>
@@ -4823,10 +4823,10 @@
       </p:sp>
       <p:pic>
         <p:nvPicPr>
-          <p:cNvPr id="3" name="Grafik 2">
+          <p:cNvPr id="8" name="Grafik 7">
             <a:extLst>
               <a:ext uri="{FF2B5EF4-FFF2-40B4-BE49-F238E27FC236}">
-                <a16:creationId xmlns:a16="http://schemas.microsoft.com/office/drawing/2014/main" id="{AE490BC5-CEC8-4681-863D-0B4CD3609BEF}"/>
+                <a16:creationId xmlns:a16="http://schemas.microsoft.com/office/drawing/2014/main" id="{0C81EEDF-D51E-4856-92E2-0A09BF379079}"/>
               </a:ext>
             </a:extLst>
           </p:cNvPr>
@@ -4849,8 +4849,8 @@
         </p:blipFill>
         <p:spPr>
           <a:xfrm>
-            <a:off x="832508" y="1559330"/>
-            <a:ext cx="10526984" cy="3880899"/>
+            <a:off x="2489456" y="1935029"/>
+            <a:ext cx="7943850" cy="3505200"/>
           </a:xfrm>
           <a:prstGeom prst="rect">
             <a:avLst/>
@@ -5152,42 +5152,6 @@
           </a:p>
         </p:txBody>
       </p:sp>
-      <p:pic>
-        <p:nvPicPr>
-          <p:cNvPr id="4" name="Grafik 3">
-            <a:extLst>
-              <a:ext uri="{FF2B5EF4-FFF2-40B4-BE49-F238E27FC236}">
-                <a16:creationId xmlns:a16="http://schemas.microsoft.com/office/drawing/2014/main" id="{6498C8A6-30C4-49A9-AAD0-2865C23817B1}"/>
-              </a:ext>
-            </a:extLst>
-          </p:cNvPr>
-          <p:cNvPicPr>
-            <a:picLocks noChangeAspect="1"/>
-          </p:cNvPicPr>
-          <p:nvPr/>
-        </p:nvPicPr>
-        <p:blipFill>
-          <a:blip r:embed="rId2">
-            <a:extLst>
-              <a:ext uri="{28A0092B-C50C-407E-A947-70E740481C1C}">
-                <a14:useLocalDpi xmlns:a14="http://schemas.microsoft.com/office/drawing/2010/main" val="0"/>
-              </a:ext>
-            </a:extLst>
-          </a:blip>
-          <a:stretch>
-            <a:fillRect/>
-          </a:stretch>
-        </p:blipFill>
-        <p:spPr>
-          <a:xfrm>
-            <a:off x="636516" y="1977530"/>
-            <a:ext cx="4519902" cy="2081790"/>
-          </a:xfrm>
-          <a:prstGeom prst="rect">
-            <a:avLst/>
-          </a:prstGeom>
-        </p:spPr>
-      </p:pic>
       <p:sp>
         <p:nvSpPr>
           <p:cNvPr id="8" name="Textfeld 7">
@@ -5239,7 +5203,7 @@
         <p:spPr>
           <a:xfrm>
             <a:off x="6271491" y="1534185"/>
-            <a:ext cx="5089236" cy="4524315"/>
+            <a:ext cx="5089236" cy="4801314"/>
           </a:xfrm>
           <a:prstGeom prst="rect">
             <a:avLst/>
@@ -5258,7 +5222,7 @@
             </a:pPr>
             <a:r>
               <a:rPr lang="en-US" dirty="0"/>
-              <a:t>There is a positive correlation between the amount of cases per day and Corona related search terms in the Google trends</a:t>
+              <a:t>Positive correlation between the amount of cases per day and relevance of Corona related search terms in the Google trends</a:t>
             </a:r>
           </a:p>
           <a:p>
@@ -5275,7 +5239,7 @@
             </a:pPr>
             <a:r>
               <a:rPr lang="en-US" dirty="0"/>
-              <a:t>There is a negative correlation between the amount of cases per day and Dax Performance</a:t>
+              <a:t>Negative correlation between the amount of cases per day and Dax Performance</a:t>
             </a:r>
           </a:p>
           <a:p>
@@ -5292,7 +5256,7 @@
             </a:pPr>
             <a:r>
               <a:rPr lang="en-US" dirty="0"/>
-              <a:t>There is a weak negative correlation between DAX index daily performance and the corona key word search.</a:t>
+              <a:t>Weak negative correlation between DAX Performance and relevance of Corona related search terms in the Google trends</a:t>
             </a:r>
           </a:p>
           <a:p>
@@ -5309,7 +5273,7 @@
             </a:pPr>
             <a:r>
               <a:rPr lang="en-US" dirty="0"/>
-              <a:t>Trends increase before cases increase and reduces after the trend reduces. This seems counter-intuitive.</a:t>
+              <a:t>Relevance of Corona related search terms in the Google trends increases before cases increase and reduces before cases reduce. This seems counter-intuitive.</a:t>
             </a:r>
           </a:p>
           <a:p>
@@ -5328,6 +5292,42 @@
           </a:p>
         </p:txBody>
       </p:sp>
+      <p:pic>
+        <p:nvPicPr>
+          <p:cNvPr id="7" name="Grafik 6">
+            <a:extLst>
+              <a:ext uri="{FF2B5EF4-FFF2-40B4-BE49-F238E27FC236}">
+                <a16:creationId xmlns:a16="http://schemas.microsoft.com/office/drawing/2014/main" id="{99E02AA3-1548-42EC-87B7-31AB55ED735D}"/>
+              </a:ext>
+            </a:extLst>
+          </p:cNvPr>
+          <p:cNvPicPr>
+            <a:picLocks noChangeAspect="1"/>
+          </p:cNvPicPr>
+          <p:nvPr/>
+        </p:nvPicPr>
+        <p:blipFill>
+          <a:blip r:embed="rId2">
+            <a:extLst>
+              <a:ext uri="{28A0092B-C50C-407E-A947-70E740481C1C}">
+                <a14:useLocalDpi xmlns:a14="http://schemas.microsoft.com/office/drawing/2010/main" val="0"/>
+              </a:ext>
+            </a:extLst>
+          </a:blip>
+          <a:stretch>
+            <a:fillRect/>
+          </a:stretch>
+        </p:blipFill>
+        <p:spPr>
+          <a:xfrm>
+            <a:off x="312358" y="2728912"/>
+            <a:ext cx="5959133" cy="1400175"/>
+          </a:xfrm>
+          <a:prstGeom prst="rect">
+            <a:avLst/>
+          </a:prstGeom>
+        </p:spPr>
+      </p:pic>
     </p:spTree>
     <p:extLst>
       <p:ext uri="{BB962C8B-B14F-4D97-AF65-F5344CB8AC3E}">
@@ -5482,7 +5482,7 @@
                 <a:latin typeface="Bebas Neue" panose="020B0606020202050201" pitchFamily="34" charset="0"/>
                 <a:ea typeface="Roboto" panose="02000000000000000000" pitchFamily="2" charset="0"/>
               </a:rPr>
-              <a:t>Challenges did we have?</a:t>
+              <a:t>Challenges Did we Face?</a:t>
             </a:r>
           </a:p>
         </p:txBody>
@@ -5887,7 +5887,7 @@
                 <a:latin typeface="Bebas Neue" panose="020B0606020202050201" pitchFamily="34" charset="0"/>
                 <a:ea typeface="Roboto" panose="02000000000000000000" pitchFamily="2" charset="0"/>
               </a:rPr>
-              <a:t>Challenges did we have?</a:t>
+              <a:t>Challenges Did we Face?</a:t>
             </a:r>
           </a:p>
         </p:txBody>
@@ -6150,7 +6150,7 @@
         </p:nvSpPr>
         <p:spPr>
           <a:xfrm>
-            <a:off x="3671047" y="2118400"/>
+            <a:off x="4164806" y="2118400"/>
             <a:ext cx="3862387" cy="1310600"/>
           </a:xfrm>
           <a:prstGeom prst="rect">
@@ -6195,96 +6195,12 @@
           </a:p>
         </p:txBody>
       </p:sp>
-      <p:sp>
-        <p:nvSpPr>
-          <p:cNvPr id="19" name="Title 7">
+      <p:cxnSp>
+        <p:nvCxnSpPr>
+          <p:cNvPr id="7" name="Straight Connector 11">
             <a:extLst>
               <a:ext uri="{FF2B5EF4-FFF2-40B4-BE49-F238E27FC236}">
-                <a16:creationId xmlns:a16="http://schemas.microsoft.com/office/drawing/2014/main" id="{A4243C3E-0CE4-41A4-9B21-F9DE9DD271EF}"/>
-              </a:ext>
-            </a:extLst>
-          </p:cNvPr>
-          <p:cNvSpPr txBox="1">
-            <a:spLocks/>
-          </p:cNvSpPr>
-          <p:nvPr/>
-        </p:nvSpPr>
-        <p:spPr>
-          <a:xfrm>
-            <a:off x="3475500" y="3024411"/>
-            <a:ext cx="4253479" cy="1310600"/>
-          </a:xfrm>
-          <a:prstGeom prst="rect">
-            <a:avLst/>
-          </a:prstGeom>
-        </p:spPr>
-        <p:txBody>
-          <a:bodyPr vert="horz" lIns="91440" tIns="45720" rIns="91440" bIns="45720" rtlCol="0" anchor="ctr">
-            <a:normAutofit/>
-          </a:bodyPr>
-          <a:lstStyle>
-            <a:lvl1pPr algn="l" defTabSz="914400" rtl="0" eaLnBrk="1" latinLnBrk="0" hangingPunct="1">
-              <a:lnSpc>
-                <a:spcPct val="90000"/>
-              </a:lnSpc>
-              <a:spcBef>
-                <a:spcPct val="0"/>
-              </a:spcBef>
-              <a:buNone/>
-              <a:defRPr sz="4400" kern="1200">
-                <a:solidFill>
-                  <a:schemeClr val="tx1"/>
-                </a:solidFill>
-                <a:latin typeface="+mj-lt"/>
-                <a:ea typeface="+mj-ea"/>
-                <a:cs typeface="+mj-cs"/>
-              </a:defRPr>
-            </a:lvl1pPr>
-          </a:lstStyle>
-          <a:p>
-            <a:pPr algn="ctr">
-              <a:lnSpc>
-                <a:spcPct val="120000"/>
-              </a:lnSpc>
-            </a:pPr>
-            <a:r>
-              <a:rPr lang="en-US" sz="2400" dirty="0">
-                <a:solidFill>
-                  <a:schemeClr val="bg1"/>
-                </a:solidFill>
-                <a:latin typeface="Cambo" panose="02000000000000000000" pitchFamily="50" charset="0"/>
-                <a:ea typeface="Source Sans Pro Black" panose="020B0803030403020204" pitchFamily="34" charset="0"/>
-                <a:cs typeface="Times New Roman" panose="02020603050405020304" pitchFamily="18" charset="0"/>
-              </a:rPr>
-              <a:t>Project 1</a:t>
-            </a:r>
-          </a:p>
-          <a:p>
-            <a:pPr algn="ctr">
-              <a:lnSpc>
-                <a:spcPct val="120000"/>
-              </a:lnSpc>
-            </a:pPr>
-            <a:r>
-              <a:rPr lang="en-US" sz="2400" dirty="0">
-                <a:solidFill>
-                  <a:schemeClr val="bg1"/>
-                </a:solidFill>
-                <a:latin typeface="Cambo" panose="02000000000000000000" pitchFamily="50" charset="0"/>
-                <a:ea typeface="Source Sans Pro Black" panose="020B0803030403020204" pitchFamily="34" charset="0"/>
-                <a:cs typeface="Times New Roman" panose="02020603050405020304" pitchFamily="18" charset="0"/>
-              </a:rPr>
-              <a:t>13.10.20 – 17.10.20</a:t>
-            </a:r>
-          </a:p>
-        </p:txBody>
-      </p:sp>
-      <p:cxnSp>
-        <p:nvCxnSpPr>
-          <p:cNvPr id="12" name="Straight Connector 11">
-            <a:extLst>
-              <a:ext uri="{FF2B5EF4-FFF2-40B4-BE49-F238E27FC236}">
-                <a16:creationId xmlns:a16="http://schemas.microsoft.com/office/drawing/2014/main" id="{34D42A48-59C8-432F-939C-5CB8A101FDD6}"/>
+                <a16:creationId xmlns:a16="http://schemas.microsoft.com/office/drawing/2014/main" id="{19C42097-D068-4695-8DF1-0A7CD61A19EC}"/>
               </a:ext>
             </a:extLst>
           </p:cNvPr>
@@ -6295,8 +6211,8 @@
         </p:nvCxnSpPr>
         <p:spPr>
           <a:xfrm>
-            <a:off x="534573" y="6285463"/>
-            <a:ext cx="11657427" cy="0"/>
+            <a:off x="0" y="6312738"/>
+            <a:ext cx="9006046" cy="0"/>
           </a:xfrm>
           <a:prstGeom prst="line">
             <a:avLst/>
@@ -6324,10 +6240,10 @@
       </p:cxnSp>
       <p:cxnSp>
         <p:nvCxnSpPr>
-          <p:cNvPr id="17" name="Straight Connector 16">
+          <p:cNvPr id="8" name="Straight Connector 16">
             <a:extLst>
               <a:ext uri="{FF2B5EF4-FFF2-40B4-BE49-F238E27FC236}">
-                <a16:creationId xmlns:a16="http://schemas.microsoft.com/office/drawing/2014/main" id="{7EA9DE3B-3E0F-4152-8E9D-7694B30713AF}"/>
+                <a16:creationId xmlns:a16="http://schemas.microsoft.com/office/drawing/2014/main" id="{FF4F70AB-EF36-491A-A8DC-1F4181F65F38}"/>
               </a:ext>
             </a:extLst>
           </p:cNvPr>
@@ -6338,7 +6254,7 @@
         </p:nvCxnSpPr>
         <p:spPr>
           <a:xfrm>
-            <a:off x="0" y="6285463"/>
+            <a:off x="11657427" y="6251907"/>
             <a:ext cx="534573" cy="0"/>
           </a:xfrm>
           <a:prstGeom prst="line">
@@ -6365,6 +6281,73 @@
           </a:fontRef>
         </p:style>
       </p:cxnSp>
+      <p:sp>
+        <p:nvSpPr>
+          <p:cNvPr id="2" name="TextBox 22">
+            <a:extLst>
+              <a:ext uri="{FF2B5EF4-FFF2-40B4-BE49-F238E27FC236}">
+                <a16:creationId xmlns:a16="http://schemas.microsoft.com/office/drawing/2014/main" id="{AB5FE554-747F-495B-8D1C-278E3775C934}"/>
+              </a:ext>
+            </a:extLst>
+          </p:cNvPr>
+          <p:cNvSpPr txBox="1"/>
+          <p:nvPr/>
+        </p:nvSpPr>
+        <p:spPr>
+          <a:xfrm>
+            <a:off x="9307119" y="6128796"/>
+            <a:ext cx="2987810" cy="246221"/>
+          </a:xfrm>
+          <a:prstGeom prst="rect">
+            <a:avLst/>
+          </a:prstGeom>
+          <a:noFill/>
+        </p:spPr>
+        <p:txBody>
+          <a:bodyPr wrap="square">
+            <a:spAutoFit/>
+          </a:bodyPr>
+          <a:lstStyle/>
+          <a:p>
+            <a:pPr eaLnBrk="1" fontAlgn="auto" hangingPunct="1">
+              <a:spcBef>
+                <a:spcPts val="0"/>
+              </a:spcBef>
+              <a:spcAft>
+                <a:spcPts val="0"/>
+              </a:spcAft>
+              <a:defRPr/>
+            </a:pPr>
+            <a:r>
+              <a:rPr lang="en-US" sz="1000" b="1" spc="300" dirty="0">
+                <a:solidFill>
+                  <a:schemeClr val="bg1"/>
+                </a:solidFill>
+                <a:latin typeface="+mj-lt"/>
+                <a:ea typeface="Source Sans Pro" panose="020B0503030403020204" pitchFamily="34" charset="0"/>
+                <a:cs typeface="Open Sans" panose="020B0606030504020204" pitchFamily="34" charset="0"/>
+              </a:rPr>
+              <a:t>    </a:t>
+            </a:r>
+            <a:r>
+              <a:rPr lang="en-US" sz="1000" b="1" spc="300" dirty="0" err="1">
+                <a:latin typeface="+mj-lt"/>
+                <a:ea typeface="Source Sans Pro" panose="020B0503030403020204" pitchFamily="34" charset="0"/>
+                <a:cs typeface="Open Sans" panose="020B0606030504020204" pitchFamily="34" charset="0"/>
+              </a:rPr>
+              <a:t>Shinan</a:t>
+            </a:r>
+            <a:r>
+              <a:rPr lang="en-US" sz="1000" b="1" spc="300" dirty="0">
+                <a:latin typeface="+mj-lt"/>
+                <a:ea typeface="Source Sans Pro" panose="020B0503030403020204" pitchFamily="34" charset="0"/>
+                <a:cs typeface="Open Sans" panose="020B0606030504020204" pitchFamily="34" charset="0"/>
+              </a:rPr>
+              <a:t> &amp; Benedikt</a:t>
+            </a:r>
+          </a:p>
+        </p:txBody>
+      </p:sp>
     </p:spTree>
     <p:extLst>
       <p:ext uri="{BB962C8B-B14F-4D97-AF65-F5344CB8AC3E}">
